--- a/google-scholar-analysis/gsa.pptx
+++ b/google-scholar-analysis/gsa.pptx
@@ -3365,8 +3365,8 @@
         </p:blipFill>
         <p:spPr>
           <a:xfrm>
-            <a:off x="1088655" y="1839213"/>
-            <a:ext cx="9852130" cy="5018787"/>
+            <a:off x="1088655" y="2626995"/>
+            <a:ext cx="8057117" cy="4104387"/>
           </a:xfrm>
           <a:prstGeom prst="rect">
             <a:avLst/>
@@ -3412,7 +3412,7 @@
         </p:blipFill>
         <p:spPr bwMode="auto">
           <a:xfrm>
-            <a:off x="1088655" y="126618"/>
+            <a:off x="1220735" y="893698"/>
             <a:ext cx="6361303" cy="2535302"/>
           </a:xfrm>
           <a:prstGeom prst="rect">
@@ -3444,7 +3444,7 @@
         </p:nvSpPr>
         <p:spPr>
           <a:xfrm>
-            <a:off x="4439920" y="1731169"/>
+            <a:off x="2618788" y="2463197"/>
             <a:ext cx="7308851" cy="2215991"/>
           </a:xfrm>
           <a:prstGeom prst="rect">
